--- a/cache/15aece23-a215-4579-91b4-69eec72e18da/134_2.pptx
+++ b/cache/15aece23-a215-4579-91b4-69eec72e18da/134_2.pptx
@@ -64,7 +64,7 @@
         <p:txBody>
           <a:bodyPr/>
           <a:p>
-            <a:fld id="{517042FE-9B34-47E1-9FFA-375A7DEB6CC3}" type="slidenum">
+            <a:fld id="{754B5A57-5FEE-43C6-8C23-940A9B4061DC}" type="slidenum">
               <a:t>&lt;#&gt;</a:t>
             </a:fld>
           </a:p>
@@ -252,7 +252,7 @@
         <p:txBody>
           <a:bodyPr/>
           <a:p>
-            <a:fld id="{61CC9157-D3B1-40FF-AE76-B7F95C6B5F05}" type="slidenum">
+            <a:fld id="{5427C898-7925-45E5-9C49-4E2A0FA4E175}" type="slidenum">
               <a:t>&lt;#&gt;</a:t>
             </a:fld>
           </a:p>
@@ -508,7 +508,7 @@
         <p:txBody>
           <a:bodyPr/>
           <a:p>
-            <a:fld id="{AF71B426-AD00-47E3-902A-CBE8DD3DBC6A}" type="slidenum">
+            <a:fld id="{2B023DE2-6872-4746-ABC4-DB91AB516BD0}" type="slidenum">
               <a:t>&lt;#&gt;</a:t>
             </a:fld>
           </a:p>
@@ -832,7 +832,7 @@
         <p:txBody>
           <a:bodyPr/>
           <a:p>
-            <a:fld id="{408FE9EF-4BC7-4731-8689-58E9152888B9}" type="slidenum">
+            <a:fld id="{AC74DF98-8325-497F-951A-24A988FF6043}" type="slidenum">
               <a:t>&lt;#&gt;</a:t>
             </a:fld>
           </a:p>
@@ -989,7 +989,7 @@
         <p:txBody>
           <a:bodyPr/>
           <a:p>
-            <a:fld id="{7F5F60C0-0013-4DAC-9873-F33BE77E0814}" type="slidenum">
+            <a:fld id="{C467D07D-3C3E-4B23-BDC1-994020E4A489}" type="slidenum">
               <a:t>&lt;#&gt;</a:t>
             </a:fld>
           </a:p>
@@ -1143,7 +1143,7 @@
         <p:txBody>
           <a:bodyPr/>
           <a:p>
-            <a:fld id="{8E2FB41C-5C9B-41C4-B0AF-3D21C160938B}" type="slidenum">
+            <a:fld id="{A9E88F43-1EEE-4F35-9935-D4FF6A918458}" type="slidenum">
               <a:t>&lt;#&gt;</a:t>
             </a:fld>
           </a:p>
@@ -1331,7 +1331,7 @@
         <p:txBody>
           <a:bodyPr/>
           <a:p>
-            <a:fld id="{4A787913-2493-4286-886F-19B37E490540}" type="slidenum">
+            <a:fld id="{4473EA4F-474B-4DBA-8EE1-C727F52232D2}" type="slidenum">
               <a:t>&lt;#&gt;</a:t>
             </a:fld>
           </a:p>
@@ -1451,7 +1451,7 @@
         <p:txBody>
           <a:bodyPr/>
           <a:p>
-            <a:fld id="{50113271-0A53-4B3C-9127-7062F653E112}" type="slidenum">
+            <a:fld id="{259871F9-FC22-4BE5-9E47-68325A8A677E}" type="slidenum">
               <a:t>&lt;#&gt;</a:t>
             </a:fld>
           </a:p>
@@ -1571,7 +1571,7 @@
         <p:txBody>
           <a:bodyPr/>
           <a:p>
-            <a:fld id="{7F4DA32B-B42B-4432-8FE0-ED182471E50C}" type="slidenum">
+            <a:fld id="{A76C8707-4B6E-4F3B-AB4F-13CA4D6925A1}" type="slidenum">
               <a:t>&lt;#&gt;</a:t>
             </a:fld>
           </a:p>
@@ -1793,7 +1793,7 @@
         <p:txBody>
           <a:bodyPr/>
           <a:p>
-            <a:fld id="{E70F99D2-C85D-4AC6-841A-4E2F515F04B8}" type="slidenum">
+            <a:fld id="{B0BCECF3-ED03-4E95-9CF5-C0965C91B7A6}" type="slidenum">
               <a:t>&lt;#&gt;</a:t>
             </a:fld>
           </a:p>
@@ -2015,7 +2015,7 @@
         <p:txBody>
           <a:bodyPr/>
           <a:p>
-            <a:fld id="{0C09A356-C688-4A95-8A50-B362FC59EA57}" type="slidenum">
+            <a:fld id="{B1C8DBB3-E95E-4EEA-B030-D98678A741FF}" type="slidenum">
               <a:t>&lt;#&gt;</a:t>
             </a:fld>
           </a:p>
@@ -2237,7 +2237,7 @@
         <p:txBody>
           <a:bodyPr/>
           <a:p>
-            <a:fld id="{62A3984C-4E20-4669-B144-EEC878F6ABEF}" type="slidenum">
+            <a:fld id="{C77B738A-C0BD-4480-BD03-DC2B1E489297}" type="slidenum">
               <a:t>&lt;#&gt;</a:t>
             </a:fld>
           </a:p>
@@ -2398,7 +2398,7 @@
               </a:lnSpc>
               <a:buNone/>
             </a:pPr>
-            <a:fld id="{B5853893-DB1A-40D2-B9BC-9F01E7FC0DCB}" type="slidenum">
+            <a:fld id="{CB31A66D-1097-41F1-B9F5-0B401019F668}" type="slidenum">
               <a:rPr b="0" lang="en-US" sz="1200" spc="-1" strike="noStrike">
                 <a:solidFill>
                   <a:srgbClr val="8b8b8b"/>
@@ -2836,7 +2836,7 @@
         </p:nvSpPr>
         <p:spPr>
           <a:xfrm>
-            <a:off x="457200" y="4680000"/>
+            <a:off x="457200" y="274680"/>
             <a:ext cx="8228880" cy="1142280"/>
           </a:xfrm>
           <a:prstGeom prst="rect">
@@ -2853,20 +2853,8 @@
           </a:bodyPr>
           <a:p>
             <a:pPr algn="ctr">
-              <a:lnSpc>
-                <a:spcPct val="100000"/>
-              </a:lnSpc>
               <a:buNone/>
             </a:pPr>
-            <a:r>
-              <a:rPr b="0" lang="en-US" sz="4400" spc="-1" strike="noStrike">
-                <a:solidFill>
-                  <a:srgbClr val="000000"/>
-                </a:solidFill>
-                <a:latin typeface="Calibri"/>
-              </a:rPr>
-              <a:t>Product Comparison</a:t>
-            </a:r>
             <a:endParaRPr b="0" lang="en-HK" sz="4400" spc="-1" strike="noStrike">
               <a:latin typeface="Arial"/>
             </a:endParaRPr>
@@ -3459,6 +3447,45 @@
           </a:graphicData>
         </a:graphic>
       </p:graphicFrame>
+      <p:sp>
+        <p:nvSpPr>
+          <p:cNvPr id="46" name=""/>
+          <p:cNvSpPr txBox="1"/>
+          <p:nvPr/>
+        </p:nvSpPr>
+        <p:spPr>
+          <a:xfrm>
+            <a:off x="1658880" y="3059280"/>
+            <a:ext cx="5836320" cy="743040"/>
+          </a:xfrm>
+          <a:prstGeom prst="rect">
+            <a:avLst/>
+          </a:prstGeom>
+          <a:noFill/>
+          <a:ln w="0">
+            <a:noFill/>
+          </a:ln>
+        </p:spPr>
+        <p:txBody>
+          <a:bodyPr lIns="90000" rIns="90000" tIns="45000" bIns="45000" anchor="t">
+            <a:noAutofit/>
+          </a:bodyPr>
+          <a:p>
+            <a:r>
+              <a:rPr b="0" lang="en-US" sz="4400" spc="-1" strike="noStrike">
+                <a:solidFill>
+                  <a:srgbClr val="000000"/>
+                </a:solidFill>
+                <a:latin typeface="Calibri"/>
+              </a:rPr>
+              <a:t>Product Comparison</a:t>
+            </a:r>
+            <a:endParaRPr b="0" lang="en-HK" sz="4400" spc="-1" strike="noStrike">
+              <a:latin typeface="Arial"/>
+            </a:endParaRPr>
+          </a:p>
+        </p:txBody>
+      </p:sp>
     </p:spTree>
   </p:cSld>
   <mc:AlternateContent>
